--- a/CGD_Group_9_JK_KS_Highland_Clearances_Presentation_v0.8.pptx
+++ b/CGD_Group_9_JK_KS_Highland_Clearances_Presentation_v0.8.pptx
@@ -8251,6 +8251,12 @@
             </a:r>
           </a:p>
           <a:p>
+            <a:r>
+              <a:rPr lang="en-GB" dirty="0"/>
+              <a:t>Avoid the sheep.</a:t>
+            </a:r>
+          </a:p>
+          <a:p>
             <a:pPr marL="0" indent="0">
               <a:buNone/>
             </a:pPr>
@@ -8337,7 +8343,25 @@
           <a:bodyPr/>
           <a:lstStyle/>
           <a:p>
-            <a:endParaRPr lang="en-GB"/>
+            <a:r>
+              <a:rPr lang="en-GB" dirty="0"/>
+              <a:t>To start of with we decided to try and source some assets on the unity store, as we have decided to only 3D model the necessities like our main character, burned down croft etc</a:t>
+            </a:r>
+          </a:p>
+          <a:p>
+            <a:r>
+              <a:rPr lang="en-GB" dirty="0"/>
+              <a:t>We then took the assets we found and set up our level which consists of green scenery and hills/mountains</a:t>
+            </a:r>
+          </a:p>
+          <a:p>
+            <a:endParaRPr lang="en-GB" dirty="0"/>
+          </a:p>
+          <a:p>
+            <a:pPr marL="0" indent="0">
+              <a:buNone/>
+            </a:pPr>
+            <a:endParaRPr lang="en-GB" dirty="0"/>
           </a:p>
         </p:txBody>
       </p:sp>
@@ -8420,7 +8444,19 @@
           <a:bodyPr/>
           <a:lstStyle/>
           <a:p>
-            <a:endParaRPr lang="en-GB"/>
+            <a:r>
+              <a:rPr lang="en-GB" dirty="0"/>
+              <a:t>We then designed a core gameplay loop where the player must run to the left and avoid contact with sheep at all costs or the Red Coats will instantly kill you</a:t>
+            </a:r>
+          </a:p>
+          <a:p>
+            <a:r>
+              <a:rPr lang="en-GB" dirty="0"/>
+              <a:t>Currently in development is the beginning and ending cutscenes and also the win conditions for the game as well.</a:t>
+            </a:r>
+          </a:p>
+          <a:p>
+            <a:endParaRPr lang="en-GB" dirty="0"/>
           </a:p>
         </p:txBody>
       </p:sp>
@@ -8647,7 +8683,7 @@
           <a:p>
             <a:r>
               <a:rPr lang="en-GB" dirty="0"/>
-              <a:t>INSERT VIDEO HERE</a:t>
+              <a:t>In this video it shows off the goal of the game, run from the starting area, avoid sheep and end up at the ocean where the end of the game is.</a:t>
             </a:r>
           </a:p>
         </p:txBody>
@@ -8731,7 +8767,10 @@
           <a:bodyPr/>
           <a:lstStyle/>
           <a:p>
-            <a:endParaRPr lang="en-GB"/>
+            <a:r>
+              <a:rPr lang="en-GB" dirty="0"/>
+              <a:t>In this video we can see what happens when the player touches a sheep. (Red Coats will spawn and kill the players character soon!).</a:t>
+            </a:r>
           </a:p>
         </p:txBody>
       </p:sp>
